--- a/figs/Figures.pptx
+++ b/figs/Figures.pptx
@@ -6,6 +6,8 @@
   </p:sldMasterIdLst>
   <p:sldIdLst>
     <p:sldId id="258" r:id="rId2"/>
+    <p:sldId id="259" r:id="rId3"/>
+    <p:sldId id="260" r:id="rId4"/>
   </p:sldIdLst>
   <p:sldSz cx="12192000" cy="6858000"/>
   <p:notesSz cx="6858000" cy="9144000"/>
@@ -104,6 +106,11 @@
       </a:defRPr>
     </a:lvl9pPr>
   </p:defaultTextStyle>
+  <p:extLst>
+    <p:ext uri="{EFAFB233-063F-42B5-8137-9DF3F51BA10A}">
+      <p15:sldGuideLst xmlns:p15="http://schemas.microsoft.com/office/powerpoint/2012/main"/>
+    </p:ext>
+  </p:extLst>
 </p:presentation>
 </file>
 
@@ -911,10 +918,9 @@
         <a:lstStyle/>
         <a:p>
           <a:r>
-            <a:rPr lang="en-US" dirty="0" smtClean="0"/>
+            <a:rPr lang="en-US" dirty="0"/>
             <a:t>DATA</a:t>
           </a:r>
-          <a:endParaRPr lang="en-US" dirty="0"/>
         </a:p>
       </dgm:t>
     </dgm:pt>
@@ -948,10 +954,9 @@
         <a:lstStyle/>
         <a:p>
           <a:r>
-            <a:rPr lang="en-US" dirty="0" smtClean="0"/>
+            <a:rPr lang="en-US" dirty="0"/>
             <a:t>AESTHETICS</a:t>
           </a:r>
-          <a:endParaRPr lang="en-US" dirty="0"/>
         </a:p>
       </dgm:t>
     </dgm:pt>
@@ -985,7 +990,7 @@
         <a:lstStyle/>
         <a:p>
           <a:r>
-            <a:rPr lang="en-US" dirty="0" smtClean="0"/>
+            <a:rPr lang="en-US" dirty="0"/>
             <a:t>GEOMETRIES</a:t>
           </a:r>
         </a:p>
@@ -1021,7 +1026,7 @@
         <a:lstStyle/>
         <a:p>
           <a:r>
-            <a:rPr lang="en-US" dirty="0" smtClean="0"/>
+            <a:rPr lang="en-US" dirty="0"/>
             <a:t>FACETS</a:t>
           </a:r>
         </a:p>
@@ -1057,7 +1062,7 @@
         <a:lstStyle/>
         <a:p>
           <a:r>
-            <a:rPr lang="en-US" dirty="0" smtClean="0"/>
+            <a:rPr lang="en-US" dirty="0"/>
             <a:t>STATISTICS</a:t>
           </a:r>
         </a:p>
@@ -1093,7 +1098,7 @@
         <a:lstStyle/>
         <a:p>
           <a:r>
-            <a:rPr lang="en-US" dirty="0" smtClean="0"/>
+            <a:rPr lang="en-US" dirty="0"/>
             <a:t>COORDINATES</a:t>
           </a:r>
         </a:p>
@@ -1129,7 +1134,7 @@
         <a:lstStyle/>
         <a:p>
           <a:r>
-            <a:rPr lang="en-US" dirty="0" smtClean="0"/>
+            <a:rPr lang="en-US" dirty="0"/>
             <a:t>THEMES</a:t>
           </a:r>
         </a:p>
@@ -1249,13 +1254,6 @@
         </dgm:presLayoutVars>
       </dgm:prSet>
       <dgm:spPr/>
-      <dgm:t>
-        <a:bodyPr/>
-        <a:lstStyle/>
-        <a:p>
-          <a:endParaRPr lang="en-US"/>
-        </a:p>
-      </dgm:t>
     </dgm:pt>
     <dgm:pt modelId="{38D00E34-1E10-4B44-BB48-3DD084271637}" type="pres">
       <dgm:prSet presAssocID="{29A491DD-0549-4238-8938-3B8742A1BF9C}" presName="negativeSpace" presStyleCnt="0"/>
@@ -1289,13 +1287,6 @@
         </dgm:presLayoutVars>
       </dgm:prSet>
       <dgm:spPr/>
-      <dgm:t>
-        <a:bodyPr/>
-        <a:lstStyle/>
-        <a:p>
-          <a:endParaRPr lang="en-US"/>
-        </a:p>
-      </dgm:t>
     </dgm:pt>
     <dgm:pt modelId="{53FC2811-43DF-418C-8B15-505EF5196AFD}" type="pres">
       <dgm:prSet presAssocID="{55ACDB9D-DC57-4E95-B1E7-947DB6AC5F04}" presName="negativeSpace" presStyleCnt="0"/>
@@ -1410,28 +1401,28 @@
     </dgm:pt>
   </dgm:ptLst>
   <dgm:cxnLst>
-    <dgm:cxn modelId="{37C1A69A-D751-4554-A062-AF4B2177C537}" type="presOf" srcId="{DCD3A68B-E738-41B4-8AAE-481DC9453D3C}" destId="{47397192-CD2E-4270-92E9-3C9BFE5764F9}" srcOrd="1" destOrd="0" presId="urn:microsoft.com/office/officeart/2005/8/layout/list1"/>
-    <dgm:cxn modelId="{95C3EF49-A814-4EA6-A0E2-3C0500338330}" srcId="{6F43C5A0-F20A-4BAB-865E-0B5A6D1E1746}" destId="{29A491DD-0549-4238-8938-3B8742A1BF9C}" srcOrd="2" destOrd="0" parTransId="{3CCBA296-F9BA-4F70-BA3A-C6B267F692C4}" sibTransId="{CA58324F-BDF3-4970-B6AF-91A8D1500AF8}"/>
+    <dgm:cxn modelId="{726ED901-B7FB-4DF6-894C-A610EEB1C730}" type="presOf" srcId="{6F43C5A0-F20A-4BAB-865E-0B5A6D1E1746}" destId="{44461684-D358-4EAA-869D-3B77EE613832}" srcOrd="0" destOrd="0" presId="urn:microsoft.com/office/officeart/2005/8/layout/list1"/>
+    <dgm:cxn modelId="{C3B9EC0C-46DD-4E85-8EC2-0220A574E59C}" type="presOf" srcId="{DCD3A68B-E738-41B4-8AAE-481DC9453D3C}" destId="{B8695BC7-F7ED-47C2-B554-E483DA66257D}" srcOrd="0" destOrd="0" presId="urn:microsoft.com/office/officeart/2005/8/layout/list1"/>
     <dgm:cxn modelId="{0C49380D-78A7-42A0-A2BA-432D541A48F6}" srcId="{6F43C5A0-F20A-4BAB-865E-0B5A6D1E1746}" destId="{F97F2325-8F07-4970-9CB5-3992237C22BD}" srcOrd="5" destOrd="0" parTransId="{245AAA73-EB9D-43E7-AA0A-808282DEC1DE}" sibTransId="{7D8032EC-8C91-4046-ADF6-73F942A4DE06}"/>
     <dgm:cxn modelId="{8AF4270E-5855-4040-B27D-6CE7D4F6AE53}" type="presOf" srcId="{29A491DD-0549-4238-8938-3B8742A1BF9C}" destId="{E477A99C-F6B5-430A-B104-45E28ABBCFA0}" srcOrd="0" destOrd="0" presId="urn:microsoft.com/office/officeart/2005/8/layout/list1"/>
+    <dgm:cxn modelId="{173D132E-3252-4113-B7E0-470A838FF770}" srcId="{6F43C5A0-F20A-4BAB-865E-0B5A6D1E1746}" destId="{C30EB144-4BF1-4D67-B6F7-C252BF051EA6}" srcOrd="0" destOrd="0" parTransId="{C28962B9-33CC-4061-BE53-ADF868ED9853}" sibTransId="{B65D11B9-A3CF-4B2F-903B-408683BAE15A}"/>
+    <dgm:cxn modelId="{E290CD30-0BA9-417E-861B-C64769E5FD10}" type="presOf" srcId="{0057C653-C378-48C3-9716-BCA80519C16C}" destId="{07EDC935-1106-475C-8E9F-34B75EC72C57}" srcOrd="0" destOrd="0" presId="urn:microsoft.com/office/officeart/2005/8/layout/list1"/>
+    <dgm:cxn modelId="{69141A49-6EAF-4668-A78F-45D2AB846544}" type="presOf" srcId="{55ACDB9D-DC57-4E95-B1E7-947DB6AC5F04}" destId="{F573FD76-1B51-41BB-B492-D5C8B8234085}" srcOrd="1" destOrd="0" presId="urn:microsoft.com/office/officeart/2005/8/layout/list1"/>
+    <dgm:cxn modelId="{95C3EF49-A814-4EA6-A0E2-3C0500338330}" srcId="{6F43C5A0-F20A-4BAB-865E-0B5A6D1E1746}" destId="{29A491DD-0549-4238-8938-3B8742A1BF9C}" srcOrd="2" destOrd="0" parTransId="{3CCBA296-F9BA-4F70-BA3A-C6B267F692C4}" sibTransId="{CA58324F-BDF3-4970-B6AF-91A8D1500AF8}"/>
+    <dgm:cxn modelId="{8597816A-EEE5-4D0F-B5B0-195582D2D3A1}" type="presOf" srcId="{29A491DD-0549-4238-8938-3B8742A1BF9C}" destId="{B63049F2-D95A-40EB-AAF6-AB3980689EDB}" srcOrd="1" destOrd="0" presId="urn:microsoft.com/office/officeart/2005/8/layout/list1"/>
+    <dgm:cxn modelId="{9C94F657-961D-46A7-BC69-AEDD7F45A39E}" srcId="{6F43C5A0-F20A-4BAB-865E-0B5A6D1E1746}" destId="{DCD3A68B-E738-41B4-8AAE-481DC9453D3C}" srcOrd="6" destOrd="0" parTransId="{58C15042-7CD7-446D-9554-91C9734282E2}" sibTransId="{0988E054-DED1-44B2-B70B-5A059C0D1DDB}"/>
+    <dgm:cxn modelId="{8BBDA158-9F79-4980-BC9B-BA2DD3D44F51}" type="presOf" srcId="{C30EB144-4BF1-4D67-B6F7-C252BF051EA6}" destId="{8A6E82BF-A867-4EE5-AA98-53BBD81C9A08}" srcOrd="0" destOrd="0" presId="urn:microsoft.com/office/officeart/2005/8/layout/list1"/>
+    <dgm:cxn modelId="{B388CC58-22E2-4C59-85A6-AA1C0B54E0A7}" type="presOf" srcId="{0057C653-C378-48C3-9716-BCA80519C16C}" destId="{C68A5E8C-2DAB-4B4C-80BA-9E68A0270888}" srcOrd="1" destOrd="0" presId="urn:microsoft.com/office/officeart/2005/8/layout/list1"/>
+    <dgm:cxn modelId="{EA782E99-0540-4501-9912-190440D33521}" type="presOf" srcId="{1CBFA80B-58B3-458D-BF81-C354BB04C3CF}" destId="{E71C867F-0B25-4425-BCBB-3D81E9749940}" srcOrd="1" destOrd="0" presId="urn:microsoft.com/office/officeart/2005/8/layout/list1"/>
+    <dgm:cxn modelId="{37C1A69A-D751-4554-A062-AF4B2177C537}" type="presOf" srcId="{DCD3A68B-E738-41B4-8AAE-481DC9453D3C}" destId="{47397192-CD2E-4270-92E9-3C9BFE5764F9}" srcOrd="1" destOrd="0" presId="urn:microsoft.com/office/officeart/2005/8/layout/list1"/>
+    <dgm:cxn modelId="{2A76BBD1-D0FD-4CA4-8DED-DC8E69BAA1EC}" srcId="{6F43C5A0-F20A-4BAB-865E-0B5A6D1E1746}" destId="{55ACDB9D-DC57-4E95-B1E7-947DB6AC5F04}" srcOrd="3" destOrd="0" parTransId="{813214EF-CDA6-464F-A77A-BC80C06E461F}" sibTransId="{CABFFC79-C49B-43A4-8704-71CF19603FEA}"/>
+    <dgm:cxn modelId="{F42DD6D1-4B0F-4083-A121-65C350BCBF46}" srcId="{6F43C5A0-F20A-4BAB-865E-0B5A6D1E1746}" destId="{1CBFA80B-58B3-458D-BF81-C354BB04C3CF}" srcOrd="1" destOrd="0" parTransId="{5B4B2BBE-2E86-45CD-ADC1-DCE2050BBDB8}" sibTransId="{5BDBC565-BCE5-4E6E-A1B2-D82814B674A7}"/>
+    <dgm:cxn modelId="{8C8789E5-E83C-41A7-8962-81D27230BC84}" type="presOf" srcId="{F97F2325-8F07-4970-9CB5-3992237C22BD}" destId="{BCB1D141-A997-4A94-8482-6260FABCE28B}" srcOrd="1" destOrd="0" presId="urn:microsoft.com/office/officeart/2005/8/layout/list1"/>
+    <dgm:cxn modelId="{0FD8F6E6-8813-4AA7-86A9-B02B2080EB78}" type="presOf" srcId="{C30EB144-4BF1-4D67-B6F7-C252BF051EA6}" destId="{611A699A-B4E3-4B0B-8C1C-27AB3484522E}" srcOrd="1" destOrd="0" presId="urn:microsoft.com/office/officeart/2005/8/layout/list1"/>
+    <dgm:cxn modelId="{0596D7F2-1767-417D-92B0-C25B53F0DCF6}" type="presOf" srcId="{55ACDB9D-DC57-4E95-B1E7-947DB6AC5F04}" destId="{F336D724-1B09-4FC8-A404-EB172CEAD4FE}" srcOrd="0" destOrd="0" presId="urn:microsoft.com/office/officeart/2005/8/layout/list1"/>
+    <dgm:cxn modelId="{32933AF6-3DF5-4971-8591-1D8A763E5992}" type="presOf" srcId="{F97F2325-8F07-4970-9CB5-3992237C22BD}" destId="{8DCE9376-482C-4EBB-8433-A6782678D224}" srcOrd="0" destOrd="0" presId="urn:microsoft.com/office/officeart/2005/8/layout/list1"/>
+    <dgm:cxn modelId="{6DC402F8-0F32-407B-8735-AE459595E270}" type="presOf" srcId="{1CBFA80B-58B3-458D-BF81-C354BB04C3CF}" destId="{36F660B7-A3B3-444D-82F3-E1E4D61DE771}" srcOrd="0" destOrd="0" presId="urn:microsoft.com/office/officeart/2005/8/layout/list1"/>
     <dgm:cxn modelId="{520E73FD-3092-44EA-9FAE-B58A41B3D079}" srcId="{6F43C5A0-F20A-4BAB-865E-0B5A6D1E1746}" destId="{0057C653-C378-48C3-9716-BCA80519C16C}" srcOrd="4" destOrd="0" parTransId="{9BE6B349-C329-4BE4-86A2-F192B270F82E}" sibTransId="{A25016EC-FAA5-47F2-89DA-B8DCC16D4200}"/>
-    <dgm:cxn modelId="{0596D7F2-1767-417D-92B0-C25B53F0DCF6}" type="presOf" srcId="{55ACDB9D-DC57-4E95-B1E7-947DB6AC5F04}" destId="{F336D724-1B09-4FC8-A404-EB172CEAD4FE}" srcOrd="0" destOrd="0" presId="urn:microsoft.com/office/officeart/2005/8/layout/list1"/>
-    <dgm:cxn modelId="{2A76BBD1-D0FD-4CA4-8DED-DC8E69BAA1EC}" srcId="{6F43C5A0-F20A-4BAB-865E-0B5A6D1E1746}" destId="{55ACDB9D-DC57-4E95-B1E7-947DB6AC5F04}" srcOrd="3" destOrd="0" parTransId="{813214EF-CDA6-464F-A77A-BC80C06E461F}" sibTransId="{CABFFC79-C49B-43A4-8704-71CF19603FEA}"/>
-    <dgm:cxn modelId="{0FD8F6E6-8813-4AA7-86A9-B02B2080EB78}" type="presOf" srcId="{C30EB144-4BF1-4D67-B6F7-C252BF051EA6}" destId="{611A699A-B4E3-4B0B-8C1C-27AB3484522E}" srcOrd="1" destOrd="0" presId="urn:microsoft.com/office/officeart/2005/8/layout/list1"/>
-    <dgm:cxn modelId="{F42DD6D1-4B0F-4083-A121-65C350BCBF46}" srcId="{6F43C5A0-F20A-4BAB-865E-0B5A6D1E1746}" destId="{1CBFA80B-58B3-458D-BF81-C354BB04C3CF}" srcOrd="1" destOrd="0" parTransId="{5B4B2BBE-2E86-45CD-ADC1-DCE2050BBDB8}" sibTransId="{5BDBC565-BCE5-4E6E-A1B2-D82814B674A7}"/>
-    <dgm:cxn modelId="{726ED901-B7FB-4DF6-894C-A610EEB1C730}" type="presOf" srcId="{6F43C5A0-F20A-4BAB-865E-0B5A6D1E1746}" destId="{44461684-D358-4EAA-869D-3B77EE613832}" srcOrd="0" destOrd="0" presId="urn:microsoft.com/office/officeart/2005/8/layout/list1"/>
-    <dgm:cxn modelId="{C3B9EC0C-46DD-4E85-8EC2-0220A574E59C}" type="presOf" srcId="{DCD3A68B-E738-41B4-8AAE-481DC9453D3C}" destId="{B8695BC7-F7ED-47C2-B554-E483DA66257D}" srcOrd="0" destOrd="0" presId="urn:microsoft.com/office/officeart/2005/8/layout/list1"/>
-    <dgm:cxn modelId="{8597816A-EEE5-4D0F-B5B0-195582D2D3A1}" type="presOf" srcId="{29A491DD-0549-4238-8938-3B8742A1BF9C}" destId="{B63049F2-D95A-40EB-AAF6-AB3980689EDB}" srcOrd="1" destOrd="0" presId="urn:microsoft.com/office/officeart/2005/8/layout/list1"/>
-    <dgm:cxn modelId="{173D132E-3252-4113-B7E0-470A838FF770}" srcId="{6F43C5A0-F20A-4BAB-865E-0B5A6D1E1746}" destId="{C30EB144-4BF1-4D67-B6F7-C252BF051EA6}" srcOrd="0" destOrd="0" parTransId="{C28962B9-33CC-4061-BE53-ADF868ED9853}" sibTransId="{B65D11B9-A3CF-4B2F-903B-408683BAE15A}"/>
-    <dgm:cxn modelId="{8BBDA158-9F79-4980-BC9B-BA2DD3D44F51}" type="presOf" srcId="{C30EB144-4BF1-4D67-B6F7-C252BF051EA6}" destId="{8A6E82BF-A867-4EE5-AA98-53BBD81C9A08}" srcOrd="0" destOrd="0" presId="urn:microsoft.com/office/officeart/2005/8/layout/list1"/>
-    <dgm:cxn modelId="{E290CD30-0BA9-417E-861B-C64769E5FD10}" type="presOf" srcId="{0057C653-C378-48C3-9716-BCA80519C16C}" destId="{07EDC935-1106-475C-8E9F-34B75EC72C57}" srcOrd="0" destOrd="0" presId="urn:microsoft.com/office/officeart/2005/8/layout/list1"/>
-    <dgm:cxn modelId="{EA782E99-0540-4501-9912-190440D33521}" type="presOf" srcId="{1CBFA80B-58B3-458D-BF81-C354BB04C3CF}" destId="{E71C867F-0B25-4425-BCBB-3D81E9749940}" srcOrd="1" destOrd="0" presId="urn:microsoft.com/office/officeart/2005/8/layout/list1"/>
-    <dgm:cxn modelId="{B388CC58-22E2-4C59-85A6-AA1C0B54E0A7}" type="presOf" srcId="{0057C653-C378-48C3-9716-BCA80519C16C}" destId="{C68A5E8C-2DAB-4B4C-80BA-9E68A0270888}" srcOrd="1" destOrd="0" presId="urn:microsoft.com/office/officeart/2005/8/layout/list1"/>
-    <dgm:cxn modelId="{9C94F657-961D-46A7-BC69-AEDD7F45A39E}" srcId="{6F43C5A0-F20A-4BAB-865E-0B5A6D1E1746}" destId="{DCD3A68B-E738-41B4-8AAE-481DC9453D3C}" srcOrd="6" destOrd="0" parTransId="{58C15042-7CD7-446D-9554-91C9734282E2}" sibTransId="{0988E054-DED1-44B2-B70B-5A059C0D1DDB}"/>
-    <dgm:cxn modelId="{32933AF6-3DF5-4971-8591-1D8A763E5992}" type="presOf" srcId="{F97F2325-8F07-4970-9CB5-3992237C22BD}" destId="{8DCE9376-482C-4EBB-8433-A6782678D224}" srcOrd="0" destOrd="0" presId="urn:microsoft.com/office/officeart/2005/8/layout/list1"/>
-    <dgm:cxn modelId="{8C8789E5-E83C-41A7-8962-81D27230BC84}" type="presOf" srcId="{F97F2325-8F07-4970-9CB5-3992237C22BD}" destId="{BCB1D141-A997-4A94-8482-6260FABCE28B}" srcOrd="1" destOrd="0" presId="urn:microsoft.com/office/officeart/2005/8/layout/list1"/>
-    <dgm:cxn modelId="{6DC402F8-0F32-407B-8735-AE459595E270}" type="presOf" srcId="{1CBFA80B-58B3-458D-BF81-C354BB04C3CF}" destId="{36F660B7-A3B3-444D-82F3-E1E4D61DE771}" srcOrd="0" destOrd="0" presId="urn:microsoft.com/office/officeart/2005/8/layout/list1"/>
-    <dgm:cxn modelId="{69141A49-6EAF-4668-A78F-45D2AB846544}" type="presOf" srcId="{55ACDB9D-DC57-4E95-B1E7-947DB6AC5F04}" destId="{F573FD76-1B51-41BB-B492-D5C8B8234085}" srcOrd="1" destOrd="0" presId="urn:microsoft.com/office/officeart/2005/8/layout/list1"/>
     <dgm:cxn modelId="{34B556EB-41B5-4B1F-99E4-AFBA8D2BA841}" type="presParOf" srcId="{44461684-D358-4EAA-869D-3B77EE613832}" destId="{DEB9947B-1DD0-4DFD-A0A6-6C1AC7D563B1}" srcOrd="0" destOrd="0" presId="urn:microsoft.com/office/officeart/2005/8/layout/list1"/>
     <dgm:cxn modelId="{A27F989E-E8EF-4080-9DD3-0BF801A3A8F7}" type="presParOf" srcId="{DEB9947B-1DD0-4DFD-A0A6-6C1AC7D563B1}" destId="{8A6E82BF-A867-4EE5-AA98-53BBD81C9A08}" srcOrd="0" destOrd="0" presId="urn:microsoft.com/office/officeart/2005/8/layout/list1"/>
     <dgm:cxn modelId="{B9BA9A0F-4D91-4BC6-A3F3-38633A39D074}" type="presParOf" srcId="{DEB9947B-1DD0-4DFD-A0A6-6C1AC7D563B1}" destId="{611A699A-B4E3-4B0B-8C1C-27AB3484522E}" srcOrd="1" destOrd="0" presId="urn:microsoft.com/office/officeart/2005/8/layout/list1"/>
@@ -1596,7 +1587,7 @@
         </a:bodyPr>
         <a:lstStyle/>
         <a:p>
-          <a:pPr lvl="0" algn="l" defTabSz="577850">
+          <a:pPr marL="0" lvl="0" indent="0" algn="l" defTabSz="577850">
             <a:lnSpc>
               <a:spcPct val="90000"/>
             </a:lnSpc>
@@ -1606,12 +1597,12 @@
             <a:spcAft>
               <a:spcPct val="35000"/>
             </a:spcAft>
+            <a:buNone/>
           </a:pPr>
           <a:r>
-            <a:rPr lang="en-US" sz="1300" kern="1200" dirty="0" smtClean="0"/>
+            <a:rPr lang="en-US" sz="1300" kern="1200" dirty="0"/>
             <a:t>DATA</a:t>
           </a:r>
-          <a:endParaRPr lang="en-US" sz="1300" kern="1200" dirty="0"/>
         </a:p>
       </dsp:txBody>
       <dsp:txXfrm>
@@ -1723,7 +1714,7 @@
         </a:bodyPr>
         <a:lstStyle/>
         <a:p>
-          <a:pPr lvl="0" algn="l" defTabSz="577850">
+          <a:pPr marL="0" lvl="0" indent="0" algn="l" defTabSz="577850">
             <a:lnSpc>
               <a:spcPct val="90000"/>
             </a:lnSpc>
@@ -1733,12 +1724,12 @@
             <a:spcAft>
               <a:spcPct val="35000"/>
             </a:spcAft>
+            <a:buNone/>
           </a:pPr>
           <a:r>
-            <a:rPr lang="en-US" sz="1300" kern="1200" dirty="0" smtClean="0"/>
+            <a:rPr lang="en-US" sz="1300" kern="1200" dirty="0"/>
             <a:t>AESTHETICS</a:t>
           </a:r>
-          <a:endParaRPr lang="en-US" sz="1300" kern="1200" dirty="0"/>
         </a:p>
       </dsp:txBody>
       <dsp:txXfrm>
@@ -1850,7 +1841,7 @@
         </a:bodyPr>
         <a:lstStyle/>
         <a:p>
-          <a:pPr lvl="0" algn="l" defTabSz="577850">
+          <a:pPr marL="0" lvl="0" indent="0" algn="l" defTabSz="577850">
             <a:lnSpc>
               <a:spcPct val="90000"/>
             </a:lnSpc>
@@ -1860,9 +1851,10 @@
             <a:spcAft>
               <a:spcPct val="35000"/>
             </a:spcAft>
+            <a:buNone/>
           </a:pPr>
           <a:r>
-            <a:rPr lang="en-US" sz="1300" kern="1200" dirty="0" smtClean="0"/>
+            <a:rPr lang="en-US" sz="1300" kern="1200" dirty="0"/>
             <a:t>GEOMETRIES</a:t>
           </a:r>
         </a:p>
@@ -1976,7 +1968,7 @@
         </a:bodyPr>
         <a:lstStyle/>
         <a:p>
-          <a:pPr lvl="0" algn="l" defTabSz="577850">
+          <a:pPr marL="0" lvl="0" indent="0" algn="l" defTabSz="577850">
             <a:lnSpc>
               <a:spcPct val="90000"/>
             </a:lnSpc>
@@ -1986,9 +1978,10 @@
             <a:spcAft>
               <a:spcPct val="35000"/>
             </a:spcAft>
+            <a:buNone/>
           </a:pPr>
           <a:r>
-            <a:rPr lang="en-US" sz="1300" kern="1200" dirty="0" smtClean="0"/>
+            <a:rPr lang="en-US" sz="1300" kern="1200" dirty="0"/>
             <a:t>FACETS</a:t>
           </a:r>
         </a:p>
@@ -2102,7 +2095,7 @@
         </a:bodyPr>
         <a:lstStyle/>
         <a:p>
-          <a:pPr lvl="0" algn="l" defTabSz="577850">
+          <a:pPr marL="0" lvl="0" indent="0" algn="l" defTabSz="577850">
             <a:lnSpc>
               <a:spcPct val="90000"/>
             </a:lnSpc>
@@ -2112,9 +2105,10 @@
             <a:spcAft>
               <a:spcPct val="35000"/>
             </a:spcAft>
+            <a:buNone/>
           </a:pPr>
           <a:r>
-            <a:rPr lang="en-US" sz="1300" kern="1200" dirty="0" smtClean="0"/>
+            <a:rPr lang="en-US" sz="1300" kern="1200" dirty="0"/>
             <a:t>STATISTICS</a:t>
           </a:r>
         </a:p>
@@ -2228,7 +2222,7 @@
         </a:bodyPr>
         <a:lstStyle/>
         <a:p>
-          <a:pPr lvl="0" algn="l" defTabSz="577850">
+          <a:pPr marL="0" lvl="0" indent="0" algn="l" defTabSz="577850">
             <a:lnSpc>
               <a:spcPct val="90000"/>
             </a:lnSpc>
@@ -2238,9 +2232,10 @@
             <a:spcAft>
               <a:spcPct val="35000"/>
             </a:spcAft>
+            <a:buNone/>
           </a:pPr>
           <a:r>
-            <a:rPr lang="en-US" sz="1300" kern="1200" dirty="0" smtClean="0"/>
+            <a:rPr lang="en-US" sz="1300" kern="1200" dirty="0"/>
             <a:t>COORDINATES</a:t>
           </a:r>
         </a:p>
@@ -2354,7 +2349,7 @@
         </a:bodyPr>
         <a:lstStyle/>
         <a:p>
-          <a:pPr lvl="0" algn="l" defTabSz="577850">
+          <a:pPr marL="0" lvl="0" indent="0" algn="l" defTabSz="577850">
             <a:lnSpc>
               <a:spcPct val="90000"/>
             </a:lnSpc>
@@ -2364,9 +2359,10 @@
             <a:spcAft>
               <a:spcPct val="35000"/>
             </a:spcAft>
+            <a:buNone/>
           </a:pPr>
           <a:r>
-            <a:rPr lang="en-US" sz="1300" kern="1200" dirty="0" smtClean="0"/>
+            <a:rPr lang="en-US" sz="1300" kern="1200" dirty="0"/>
             <a:t>THEMES</a:t>
           </a:r>
         </a:p>
@@ -3681,10 +3677,9 @@
           </a:lstStyle>
           <a:p>
             <a:r>
-              <a:rPr lang="en-US" smtClean="0"/>
+              <a:rPr lang="en-US"/>
               <a:t>Click to edit Master title style</a:t>
             </a:r>
-            <a:endParaRPr lang="en-US"/>
           </a:p>
         </p:txBody>
       </p:sp>
@@ -3746,10 +3741,9 @@
           </a:lstStyle>
           <a:p>
             <a:r>
-              <a:rPr lang="en-US" smtClean="0"/>
+              <a:rPr lang="en-US"/>
               <a:t>Click to edit Master subtitle style</a:t>
             </a:r>
-            <a:endParaRPr lang="en-US"/>
           </a:p>
         </p:txBody>
       </p:sp>
@@ -3770,7 +3764,7 @@
           <a:p>
             <a:fld id="{7CBFB2EE-1295-4240-ACAE-812723054C0D}" type="datetimeFigureOut">
               <a:rPr lang="en-US" smtClean="0"/>
-              <a:t>12/22/2022</a:t>
+              <a:t>1/2/2023</a:t>
             </a:fld>
             <a:endParaRPr lang="en-US"/>
           </a:p>
@@ -3864,10 +3858,9 @@
           <a:lstStyle/>
           <a:p>
             <a:r>
-              <a:rPr lang="en-US" smtClean="0"/>
+              <a:rPr lang="en-US"/>
               <a:t>Click to edit Master title style</a:t>
             </a:r>
-            <a:endParaRPr lang="en-US"/>
           </a:p>
         </p:txBody>
       </p:sp>
@@ -3888,38 +3881,37 @@
           <a:p>
             <a:pPr lvl="0"/>
             <a:r>
-              <a:rPr lang="en-US" smtClean="0"/>
+              <a:rPr lang="en-US"/>
               <a:t>Click to edit Master text styles</a:t>
             </a:r>
           </a:p>
           <a:p>
             <a:pPr lvl="1"/>
             <a:r>
-              <a:rPr lang="en-US" smtClean="0"/>
+              <a:rPr lang="en-US"/>
               <a:t>Second level</a:t>
             </a:r>
           </a:p>
           <a:p>
             <a:pPr lvl="2"/>
             <a:r>
-              <a:rPr lang="en-US" smtClean="0"/>
+              <a:rPr lang="en-US"/>
               <a:t>Third level</a:t>
             </a:r>
           </a:p>
           <a:p>
             <a:pPr lvl="3"/>
             <a:r>
-              <a:rPr lang="en-US" smtClean="0"/>
+              <a:rPr lang="en-US"/>
               <a:t>Fourth level</a:t>
             </a:r>
           </a:p>
           <a:p>
             <a:pPr lvl="4"/>
             <a:r>
-              <a:rPr lang="en-US" smtClean="0"/>
+              <a:rPr lang="en-US"/>
               <a:t>Fifth level</a:t>
             </a:r>
-            <a:endParaRPr lang="en-US"/>
           </a:p>
         </p:txBody>
       </p:sp>
@@ -3940,7 +3932,7 @@
           <a:p>
             <a:fld id="{7CBFB2EE-1295-4240-ACAE-812723054C0D}" type="datetimeFigureOut">
               <a:rPr lang="en-US" smtClean="0"/>
-              <a:t>12/22/2022</a:t>
+              <a:t>1/2/2023</a:t>
             </a:fld>
             <a:endParaRPr lang="en-US"/>
           </a:p>
@@ -4039,10 +4031,9 @@
           <a:lstStyle/>
           <a:p>
             <a:r>
-              <a:rPr lang="en-US" smtClean="0"/>
+              <a:rPr lang="en-US"/>
               <a:t>Click to edit Master title style</a:t>
             </a:r>
-            <a:endParaRPr lang="en-US"/>
           </a:p>
         </p:txBody>
       </p:sp>
@@ -4068,38 +4059,37 @@
           <a:p>
             <a:pPr lvl="0"/>
             <a:r>
-              <a:rPr lang="en-US" smtClean="0"/>
+              <a:rPr lang="en-US"/>
               <a:t>Click to edit Master text styles</a:t>
             </a:r>
           </a:p>
           <a:p>
             <a:pPr lvl="1"/>
             <a:r>
-              <a:rPr lang="en-US" smtClean="0"/>
+              <a:rPr lang="en-US"/>
               <a:t>Second level</a:t>
             </a:r>
           </a:p>
           <a:p>
             <a:pPr lvl="2"/>
             <a:r>
-              <a:rPr lang="en-US" smtClean="0"/>
+              <a:rPr lang="en-US"/>
               <a:t>Third level</a:t>
             </a:r>
           </a:p>
           <a:p>
             <a:pPr lvl="3"/>
             <a:r>
-              <a:rPr lang="en-US" smtClean="0"/>
+              <a:rPr lang="en-US"/>
               <a:t>Fourth level</a:t>
             </a:r>
           </a:p>
           <a:p>
             <a:pPr lvl="4"/>
             <a:r>
-              <a:rPr lang="en-US" smtClean="0"/>
+              <a:rPr lang="en-US"/>
               <a:t>Fifth level</a:t>
             </a:r>
-            <a:endParaRPr lang="en-US"/>
           </a:p>
         </p:txBody>
       </p:sp>
@@ -4120,7 +4110,7 @@
           <a:p>
             <a:fld id="{7CBFB2EE-1295-4240-ACAE-812723054C0D}" type="datetimeFigureOut">
               <a:rPr lang="en-US" smtClean="0"/>
-              <a:t>12/22/2022</a:t>
+              <a:t>1/2/2023</a:t>
             </a:fld>
             <a:endParaRPr lang="en-US"/>
           </a:p>
@@ -4214,10 +4204,9 @@
           <a:lstStyle/>
           <a:p>
             <a:r>
-              <a:rPr lang="en-US" smtClean="0"/>
+              <a:rPr lang="en-US"/>
               <a:t>Click to edit Master title style</a:t>
             </a:r>
-            <a:endParaRPr lang="en-US"/>
           </a:p>
         </p:txBody>
       </p:sp>
@@ -4238,38 +4227,37 @@
           <a:p>
             <a:pPr lvl="0"/>
             <a:r>
-              <a:rPr lang="en-US" smtClean="0"/>
+              <a:rPr lang="en-US"/>
               <a:t>Click to edit Master text styles</a:t>
             </a:r>
           </a:p>
           <a:p>
             <a:pPr lvl="1"/>
             <a:r>
-              <a:rPr lang="en-US" smtClean="0"/>
+              <a:rPr lang="en-US"/>
               <a:t>Second level</a:t>
             </a:r>
           </a:p>
           <a:p>
             <a:pPr lvl="2"/>
             <a:r>
-              <a:rPr lang="en-US" smtClean="0"/>
+              <a:rPr lang="en-US"/>
               <a:t>Third level</a:t>
             </a:r>
           </a:p>
           <a:p>
             <a:pPr lvl="3"/>
             <a:r>
-              <a:rPr lang="en-US" smtClean="0"/>
+              <a:rPr lang="en-US"/>
               <a:t>Fourth level</a:t>
             </a:r>
           </a:p>
           <a:p>
             <a:pPr lvl="4"/>
             <a:r>
-              <a:rPr lang="en-US" smtClean="0"/>
+              <a:rPr lang="en-US"/>
               <a:t>Fifth level</a:t>
             </a:r>
-            <a:endParaRPr lang="en-US"/>
           </a:p>
         </p:txBody>
       </p:sp>
@@ -4290,7 +4278,7 @@
           <a:p>
             <a:fld id="{7CBFB2EE-1295-4240-ACAE-812723054C0D}" type="datetimeFigureOut">
               <a:rPr lang="en-US" smtClean="0"/>
-              <a:t>12/22/2022</a:t>
+              <a:t>1/2/2023</a:t>
             </a:fld>
             <a:endParaRPr lang="en-US"/>
           </a:p>
@@ -4393,10 +4381,9 @@
           </a:lstStyle>
           <a:p>
             <a:r>
-              <a:rPr lang="en-US" smtClean="0"/>
+              <a:rPr lang="en-US"/>
               <a:t>Click to edit Master title style</a:t>
             </a:r>
-            <a:endParaRPr lang="en-US"/>
           </a:p>
         </p:txBody>
       </p:sp>
@@ -4513,7 +4500,7 @@
           <a:p>
             <a:pPr lvl="0"/>
             <a:r>
-              <a:rPr lang="en-US" smtClean="0"/>
+              <a:rPr lang="en-US"/>
               <a:t>Click to edit Master text styles</a:t>
             </a:r>
           </a:p>
@@ -4536,7 +4523,7 @@
           <a:p>
             <a:fld id="{7CBFB2EE-1295-4240-ACAE-812723054C0D}" type="datetimeFigureOut">
               <a:rPr lang="en-US" smtClean="0"/>
-              <a:t>12/22/2022</a:t>
+              <a:t>1/2/2023</a:t>
             </a:fld>
             <a:endParaRPr lang="en-US"/>
           </a:p>
@@ -4630,10 +4617,9 @@
           <a:lstStyle/>
           <a:p>
             <a:r>
-              <a:rPr lang="en-US" smtClean="0"/>
+              <a:rPr lang="en-US"/>
               <a:t>Click to edit Master title style</a:t>
             </a:r>
-            <a:endParaRPr lang="en-US"/>
           </a:p>
         </p:txBody>
       </p:sp>
@@ -4659,38 +4645,37 @@
           <a:p>
             <a:pPr lvl="0"/>
             <a:r>
-              <a:rPr lang="en-US" smtClean="0"/>
+              <a:rPr lang="en-US"/>
               <a:t>Click to edit Master text styles</a:t>
             </a:r>
           </a:p>
           <a:p>
             <a:pPr lvl="1"/>
             <a:r>
-              <a:rPr lang="en-US" smtClean="0"/>
+              <a:rPr lang="en-US"/>
               <a:t>Second level</a:t>
             </a:r>
           </a:p>
           <a:p>
             <a:pPr lvl="2"/>
             <a:r>
-              <a:rPr lang="en-US" smtClean="0"/>
+              <a:rPr lang="en-US"/>
               <a:t>Third level</a:t>
             </a:r>
           </a:p>
           <a:p>
             <a:pPr lvl="3"/>
             <a:r>
-              <a:rPr lang="en-US" smtClean="0"/>
+              <a:rPr lang="en-US"/>
               <a:t>Fourth level</a:t>
             </a:r>
           </a:p>
           <a:p>
             <a:pPr lvl="4"/>
             <a:r>
-              <a:rPr lang="en-US" smtClean="0"/>
+              <a:rPr lang="en-US"/>
               <a:t>Fifth level</a:t>
             </a:r>
-            <a:endParaRPr lang="en-US"/>
           </a:p>
         </p:txBody>
       </p:sp>
@@ -4716,38 +4701,37 @@
           <a:p>
             <a:pPr lvl="0"/>
             <a:r>
-              <a:rPr lang="en-US" smtClean="0"/>
+              <a:rPr lang="en-US"/>
               <a:t>Click to edit Master text styles</a:t>
             </a:r>
           </a:p>
           <a:p>
             <a:pPr lvl="1"/>
             <a:r>
-              <a:rPr lang="en-US" smtClean="0"/>
+              <a:rPr lang="en-US"/>
               <a:t>Second level</a:t>
             </a:r>
           </a:p>
           <a:p>
             <a:pPr lvl="2"/>
             <a:r>
-              <a:rPr lang="en-US" smtClean="0"/>
+              <a:rPr lang="en-US"/>
               <a:t>Third level</a:t>
             </a:r>
           </a:p>
           <a:p>
             <a:pPr lvl="3"/>
             <a:r>
-              <a:rPr lang="en-US" smtClean="0"/>
+              <a:rPr lang="en-US"/>
               <a:t>Fourth level</a:t>
             </a:r>
           </a:p>
           <a:p>
             <a:pPr lvl="4"/>
             <a:r>
-              <a:rPr lang="en-US" smtClean="0"/>
+              <a:rPr lang="en-US"/>
               <a:t>Fifth level</a:t>
             </a:r>
-            <a:endParaRPr lang="en-US"/>
           </a:p>
         </p:txBody>
       </p:sp>
@@ -4768,7 +4752,7 @@
           <a:p>
             <a:fld id="{7CBFB2EE-1295-4240-ACAE-812723054C0D}" type="datetimeFigureOut">
               <a:rPr lang="en-US" smtClean="0"/>
-              <a:t>12/22/2022</a:t>
+              <a:t>1/2/2023</a:t>
             </a:fld>
             <a:endParaRPr lang="en-US"/>
           </a:p>
@@ -4867,10 +4851,9 @@
           <a:lstStyle/>
           <a:p>
             <a:r>
-              <a:rPr lang="en-US" smtClean="0"/>
+              <a:rPr lang="en-US"/>
               <a:t>Click to edit Master title style</a:t>
             </a:r>
-            <a:endParaRPr lang="en-US"/>
           </a:p>
         </p:txBody>
       </p:sp>
@@ -4933,7 +4916,7 @@
           <a:p>
             <a:pPr lvl="0"/>
             <a:r>
-              <a:rPr lang="en-US" smtClean="0"/>
+              <a:rPr lang="en-US"/>
               <a:t>Click to edit Master text styles</a:t>
             </a:r>
           </a:p>
@@ -4961,38 +4944,37 @@
           <a:p>
             <a:pPr lvl="0"/>
             <a:r>
-              <a:rPr lang="en-US" smtClean="0"/>
+              <a:rPr lang="en-US"/>
               <a:t>Click to edit Master text styles</a:t>
             </a:r>
           </a:p>
           <a:p>
             <a:pPr lvl="1"/>
             <a:r>
-              <a:rPr lang="en-US" smtClean="0"/>
+              <a:rPr lang="en-US"/>
               <a:t>Second level</a:t>
             </a:r>
           </a:p>
           <a:p>
             <a:pPr lvl="2"/>
             <a:r>
-              <a:rPr lang="en-US" smtClean="0"/>
+              <a:rPr lang="en-US"/>
               <a:t>Third level</a:t>
             </a:r>
           </a:p>
           <a:p>
             <a:pPr lvl="3"/>
             <a:r>
-              <a:rPr lang="en-US" smtClean="0"/>
+              <a:rPr lang="en-US"/>
               <a:t>Fourth level</a:t>
             </a:r>
           </a:p>
           <a:p>
             <a:pPr lvl="4"/>
             <a:r>
-              <a:rPr lang="en-US" smtClean="0"/>
+              <a:rPr lang="en-US"/>
               <a:t>Fifth level</a:t>
             </a:r>
-            <a:endParaRPr lang="en-US"/>
           </a:p>
         </p:txBody>
       </p:sp>
@@ -5055,7 +5037,7 @@
           <a:p>
             <a:pPr lvl="0"/>
             <a:r>
-              <a:rPr lang="en-US" smtClean="0"/>
+              <a:rPr lang="en-US"/>
               <a:t>Click to edit Master text styles</a:t>
             </a:r>
           </a:p>
@@ -5083,38 +5065,37 @@
           <a:p>
             <a:pPr lvl="0"/>
             <a:r>
-              <a:rPr lang="en-US" smtClean="0"/>
+              <a:rPr lang="en-US"/>
               <a:t>Click to edit Master text styles</a:t>
             </a:r>
           </a:p>
           <a:p>
             <a:pPr lvl="1"/>
             <a:r>
-              <a:rPr lang="en-US" smtClean="0"/>
+              <a:rPr lang="en-US"/>
               <a:t>Second level</a:t>
             </a:r>
           </a:p>
           <a:p>
             <a:pPr lvl="2"/>
             <a:r>
-              <a:rPr lang="en-US" smtClean="0"/>
+              <a:rPr lang="en-US"/>
               <a:t>Third level</a:t>
             </a:r>
           </a:p>
           <a:p>
             <a:pPr lvl="3"/>
             <a:r>
-              <a:rPr lang="en-US" smtClean="0"/>
+              <a:rPr lang="en-US"/>
               <a:t>Fourth level</a:t>
             </a:r>
           </a:p>
           <a:p>
             <a:pPr lvl="4"/>
             <a:r>
-              <a:rPr lang="en-US" smtClean="0"/>
+              <a:rPr lang="en-US"/>
               <a:t>Fifth level</a:t>
             </a:r>
-            <a:endParaRPr lang="en-US"/>
           </a:p>
         </p:txBody>
       </p:sp>
@@ -5135,7 +5116,7 @@
           <a:p>
             <a:fld id="{7CBFB2EE-1295-4240-ACAE-812723054C0D}" type="datetimeFigureOut">
               <a:rPr lang="en-US" smtClean="0"/>
-              <a:t>12/22/2022</a:t>
+              <a:t>1/2/2023</a:t>
             </a:fld>
             <a:endParaRPr lang="en-US"/>
           </a:p>
@@ -5229,10 +5210,9 @@
           <a:lstStyle/>
           <a:p>
             <a:r>
-              <a:rPr lang="en-US" smtClean="0"/>
+              <a:rPr lang="en-US"/>
               <a:t>Click to edit Master title style</a:t>
             </a:r>
-            <a:endParaRPr lang="en-US"/>
           </a:p>
         </p:txBody>
       </p:sp>
@@ -5253,7 +5233,7 @@
           <a:p>
             <a:fld id="{7CBFB2EE-1295-4240-ACAE-812723054C0D}" type="datetimeFigureOut">
               <a:rPr lang="en-US" smtClean="0"/>
-              <a:t>12/22/2022</a:t>
+              <a:t>1/2/2023</a:t>
             </a:fld>
             <a:endParaRPr lang="en-US"/>
           </a:p>
@@ -5348,7 +5328,7 @@
           <a:p>
             <a:fld id="{7CBFB2EE-1295-4240-ACAE-812723054C0D}" type="datetimeFigureOut">
               <a:rPr lang="en-US" smtClean="0"/>
-              <a:t>12/22/2022</a:t>
+              <a:t>1/2/2023</a:t>
             </a:fld>
             <a:endParaRPr lang="en-US"/>
           </a:p>
@@ -5451,10 +5431,9 @@
           </a:lstStyle>
           <a:p>
             <a:r>
-              <a:rPr lang="en-US" smtClean="0"/>
+              <a:rPr lang="en-US"/>
               <a:t>Click to edit Master title style</a:t>
             </a:r>
-            <a:endParaRPr lang="en-US"/>
           </a:p>
         </p:txBody>
       </p:sp>
@@ -5508,38 +5487,37 @@
           <a:p>
             <a:pPr lvl="0"/>
             <a:r>
-              <a:rPr lang="en-US" smtClean="0"/>
+              <a:rPr lang="en-US"/>
               <a:t>Click to edit Master text styles</a:t>
             </a:r>
           </a:p>
           <a:p>
             <a:pPr lvl="1"/>
             <a:r>
-              <a:rPr lang="en-US" smtClean="0"/>
+              <a:rPr lang="en-US"/>
               <a:t>Second level</a:t>
             </a:r>
           </a:p>
           <a:p>
             <a:pPr lvl="2"/>
             <a:r>
-              <a:rPr lang="en-US" smtClean="0"/>
+              <a:rPr lang="en-US"/>
               <a:t>Third level</a:t>
             </a:r>
           </a:p>
           <a:p>
             <a:pPr lvl="3"/>
             <a:r>
-              <a:rPr lang="en-US" smtClean="0"/>
+              <a:rPr lang="en-US"/>
               <a:t>Fourth level</a:t>
             </a:r>
           </a:p>
           <a:p>
             <a:pPr lvl="4"/>
             <a:r>
-              <a:rPr lang="en-US" smtClean="0"/>
+              <a:rPr lang="en-US"/>
               <a:t>Fifth level</a:t>
             </a:r>
-            <a:endParaRPr lang="en-US"/>
           </a:p>
         </p:txBody>
       </p:sp>
@@ -5602,7 +5580,7 @@
           <a:p>
             <a:pPr lvl="0"/>
             <a:r>
-              <a:rPr lang="en-US" smtClean="0"/>
+              <a:rPr lang="en-US"/>
               <a:t>Click to edit Master text styles</a:t>
             </a:r>
           </a:p>
@@ -5625,7 +5603,7 @@
           <a:p>
             <a:fld id="{7CBFB2EE-1295-4240-ACAE-812723054C0D}" type="datetimeFigureOut">
               <a:rPr lang="en-US" smtClean="0"/>
-              <a:t>12/22/2022</a:t>
+              <a:t>1/2/2023</a:t>
             </a:fld>
             <a:endParaRPr lang="en-US"/>
           </a:p>
@@ -5728,10 +5706,9 @@
           </a:lstStyle>
           <a:p>
             <a:r>
-              <a:rPr lang="en-US" smtClean="0"/>
+              <a:rPr lang="en-US"/>
               <a:t>Click to edit Master title style</a:t>
             </a:r>
-            <a:endParaRPr lang="en-US"/>
           </a:p>
         </p:txBody>
       </p:sp>
@@ -5855,7 +5832,7 @@
           <a:p>
             <a:pPr lvl="0"/>
             <a:r>
-              <a:rPr lang="en-US" smtClean="0"/>
+              <a:rPr lang="en-US"/>
               <a:t>Click to edit Master text styles</a:t>
             </a:r>
           </a:p>
@@ -5878,7 +5855,7 @@
           <a:p>
             <a:fld id="{7CBFB2EE-1295-4240-ACAE-812723054C0D}" type="datetimeFigureOut">
               <a:rPr lang="en-US" smtClean="0"/>
-              <a:t>12/22/2022</a:t>
+              <a:t>1/2/2023</a:t>
             </a:fld>
             <a:endParaRPr lang="en-US"/>
           </a:p>
@@ -5987,10 +5964,9 @@
           <a:lstStyle/>
           <a:p>
             <a:r>
-              <a:rPr lang="en-US" smtClean="0"/>
+              <a:rPr lang="en-US"/>
               <a:t>Click to edit Master title style</a:t>
             </a:r>
-            <a:endParaRPr lang="en-US"/>
           </a:p>
         </p:txBody>
       </p:sp>
@@ -6021,38 +5997,37 @@
           <a:p>
             <a:pPr lvl="0"/>
             <a:r>
-              <a:rPr lang="en-US" smtClean="0"/>
+              <a:rPr lang="en-US"/>
               <a:t>Click to edit Master text styles</a:t>
             </a:r>
           </a:p>
           <a:p>
             <a:pPr lvl="1"/>
             <a:r>
-              <a:rPr lang="en-US" smtClean="0"/>
+              <a:rPr lang="en-US"/>
               <a:t>Second level</a:t>
             </a:r>
           </a:p>
           <a:p>
             <a:pPr lvl="2"/>
             <a:r>
-              <a:rPr lang="en-US" smtClean="0"/>
+              <a:rPr lang="en-US"/>
               <a:t>Third level</a:t>
             </a:r>
           </a:p>
           <a:p>
             <a:pPr lvl="3"/>
             <a:r>
-              <a:rPr lang="en-US" smtClean="0"/>
+              <a:rPr lang="en-US"/>
               <a:t>Fourth level</a:t>
             </a:r>
           </a:p>
           <a:p>
             <a:pPr lvl="4"/>
             <a:r>
-              <a:rPr lang="en-US" smtClean="0"/>
+              <a:rPr lang="en-US"/>
               <a:t>Fifth level</a:t>
             </a:r>
-            <a:endParaRPr lang="en-US"/>
           </a:p>
         </p:txBody>
       </p:sp>
@@ -6091,7 +6066,7 @@
           <a:p>
             <a:fld id="{7CBFB2EE-1295-4240-ACAE-812723054C0D}" type="datetimeFigureOut">
               <a:rPr lang="en-US" smtClean="0"/>
-              <a:t>12/22/2022</a:t>
+              <a:t>1/2/2023</a:t>
             </a:fld>
             <a:endParaRPr lang="en-US"/>
           </a:p>
@@ -6603,7 +6578,7 @@
           <a:lstStyle/>
           <a:p>
             <a:r>
-              <a:rPr lang="en-US" sz="2000" dirty="0" smtClean="0">
+              <a:rPr lang="en-US" sz="2000" dirty="0">
                 <a:latin typeface="Arial" panose="020B0604020202020204" pitchFamily="34" charset="0"/>
                 <a:cs typeface="Arial" panose="020B0604020202020204" pitchFamily="34" charset="0"/>
               </a:rPr>
@@ -6618,7 +6593,7 @@
           </a:p>
           <a:p>
             <a:r>
-              <a:rPr lang="en-US" sz="2000" dirty="0" smtClean="0">
+              <a:rPr lang="en-US" sz="2000" dirty="0">
                 <a:latin typeface="Arial" panose="020B0604020202020204" pitchFamily="34" charset="0"/>
                 <a:cs typeface="Arial" panose="020B0604020202020204" pitchFamily="34" charset="0"/>
               </a:rPr>
@@ -6633,7 +6608,7 @@
           </a:p>
           <a:p>
             <a:r>
-              <a:rPr lang="en-US" sz="2000" dirty="0" smtClean="0">
+              <a:rPr lang="en-US" sz="2000" dirty="0">
                 <a:latin typeface="Arial" panose="020B0604020202020204" pitchFamily="34" charset="0"/>
                 <a:cs typeface="Arial" panose="020B0604020202020204" pitchFamily="34" charset="0"/>
               </a:rPr>
@@ -6648,7 +6623,7 @@
           </a:p>
           <a:p>
             <a:r>
-              <a:rPr lang="en-US" sz="2000" dirty="0" smtClean="0">
+              <a:rPr lang="en-US" sz="2000" dirty="0">
                 <a:latin typeface="Arial" panose="020B0604020202020204" pitchFamily="34" charset="0"/>
                 <a:cs typeface="Arial" panose="020B0604020202020204" pitchFamily="34" charset="0"/>
               </a:rPr>
@@ -6663,7 +6638,7 @@
           </a:p>
           <a:p>
             <a:r>
-              <a:rPr lang="en-US" sz="2000" dirty="0" smtClean="0">
+              <a:rPr lang="en-US" sz="2000" dirty="0">
                 <a:latin typeface="Arial" panose="020B0604020202020204" pitchFamily="34" charset="0"/>
                 <a:cs typeface="Arial" panose="020B0604020202020204" pitchFamily="34" charset="0"/>
               </a:rPr>
@@ -6678,7 +6653,7 @@
           </a:p>
           <a:p>
             <a:r>
-              <a:rPr lang="en-US" sz="2000" dirty="0" smtClean="0">
+              <a:rPr lang="en-US" sz="2000" dirty="0">
                 <a:latin typeface="Arial" panose="020B0604020202020204" pitchFamily="34" charset="0"/>
                 <a:cs typeface="Arial" panose="020B0604020202020204" pitchFamily="34" charset="0"/>
               </a:rPr>
@@ -6693,16 +6668,12 @@
           </a:p>
           <a:p>
             <a:r>
-              <a:rPr lang="en-US" sz="2000" dirty="0" smtClean="0">
+              <a:rPr lang="en-US" sz="2000" dirty="0">
                 <a:latin typeface="Arial" panose="020B0604020202020204" pitchFamily="34" charset="0"/>
                 <a:cs typeface="Arial" panose="020B0604020202020204" pitchFamily="34" charset="0"/>
               </a:rPr>
               <a:t>Non-data ink and formatting</a:t>
             </a:r>
-            <a:endParaRPr lang="en-US" sz="2000" dirty="0">
-              <a:latin typeface="Arial" panose="020B0604020202020204" pitchFamily="34" charset="0"/>
-              <a:cs typeface="Arial" panose="020B0604020202020204" pitchFamily="34" charset="0"/>
-            </a:endParaRPr>
           </a:p>
         </p:txBody>
       </p:sp>
@@ -6710,6 +6681,984 @@
     <p:extLst>
       <p:ext uri="{BB962C8B-B14F-4D97-AF65-F5344CB8AC3E}">
         <p14:creationId xmlns:p14="http://schemas.microsoft.com/office/powerpoint/2010/main" val="702317462"/>
+      </p:ext>
+    </p:extLst>
+  </p:cSld>
+  <p:clrMapOvr>
+    <a:masterClrMapping/>
+  </p:clrMapOvr>
+</p:sld>
+</file>
+
+<file path=ppt/slides/slide2.xml><?xml version="1.0" encoding="utf-8"?>
+<p:sld xmlns:a="http://schemas.openxmlformats.org/drawingml/2006/main" xmlns:r="http://schemas.openxmlformats.org/officeDocument/2006/relationships" xmlns:p="http://schemas.openxmlformats.org/presentationml/2006/main">
+  <p:cSld>
+    <p:spTree>
+      <p:nvGrpSpPr>
+        <p:cNvPr id="1" name=""/>
+        <p:cNvGrpSpPr/>
+        <p:nvPr/>
+      </p:nvGrpSpPr>
+      <p:grpSpPr>
+        <a:xfrm>
+          <a:off x="0" y="0"/>
+          <a:ext cx="0" cy="0"/>
+          <a:chOff x="0" y="0"/>
+          <a:chExt cx="0" cy="0"/>
+        </a:xfrm>
+      </p:grpSpPr>
+      <p:grpSp>
+        <p:nvGrpSpPr>
+          <p:cNvPr id="30" name="Group 29">
+            <a:extLst>
+              <a:ext uri="{FF2B5EF4-FFF2-40B4-BE49-F238E27FC236}">
+                <a16:creationId xmlns:a16="http://schemas.microsoft.com/office/drawing/2014/main" id="{9AE26148-AA10-49D6-9F2C-0E16E25EAEEE}"/>
+              </a:ext>
+            </a:extLst>
+          </p:cNvPr>
+          <p:cNvGrpSpPr/>
+          <p:nvPr/>
+        </p:nvGrpSpPr>
+        <p:grpSpPr>
+          <a:xfrm>
+            <a:off x="2054232" y="1453729"/>
+            <a:ext cx="7202393" cy="3569628"/>
+            <a:chOff x="2068722" y="1680307"/>
+            <a:chExt cx="4877723" cy="2197212"/>
+          </a:xfrm>
+        </p:grpSpPr>
+        <p:sp>
+          <p:nvSpPr>
+            <p:cNvPr id="4" name="TextBox 3">
+              <a:extLst>
+                <a:ext uri="{FF2B5EF4-FFF2-40B4-BE49-F238E27FC236}">
+                  <a16:creationId xmlns:a16="http://schemas.microsoft.com/office/drawing/2014/main" id="{631A411F-797C-4429-A15A-0F75896FC6F5}"/>
+                </a:ext>
+              </a:extLst>
+            </p:cNvPr>
+            <p:cNvSpPr txBox="1"/>
+            <p:nvPr/>
+          </p:nvSpPr>
+          <p:spPr>
+            <a:xfrm>
+              <a:off x="2068722" y="2729785"/>
+              <a:ext cx="517881" cy="284169"/>
+            </a:xfrm>
+            <a:prstGeom prst="rect">
+              <a:avLst/>
+            </a:prstGeom>
+            <a:noFill/>
+          </p:spPr>
+          <p:txBody>
+            <a:bodyPr wrap="none" rtlCol="0">
+              <a:spAutoFit/>
+            </a:bodyPr>
+            <a:lstStyle/>
+            <a:p>
+              <a:r>
+                <a:rPr lang="en-US" sz="2400" dirty="0"/>
+                <a:t>Data</a:t>
+              </a:r>
+              <a:endParaRPr lang="LID4096" sz="2400" dirty="0"/>
+            </a:p>
+          </p:txBody>
+        </p:sp>
+        <p:cxnSp>
+          <p:nvCxnSpPr>
+            <p:cNvPr id="6" name="Connector: Elbow 5">
+              <a:extLst>
+                <a:ext uri="{FF2B5EF4-FFF2-40B4-BE49-F238E27FC236}">
+                  <a16:creationId xmlns:a16="http://schemas.microsoft.com/office/drawing/2014/main" id="{84308512-35C7-4A80-AC86-139D812CD0C6}"/>
+                </a:ext>
+              </a:extLst>
+            </p:cNvPr>
+            <p:cNvCxnSpPr>
+              <a:cxnSpLocks/>
+            </p:cNvCxnSpPr>
+            <p:nvPr/>
+          </p:nvCxnSpPr>
+          <p:spPr>
+            <a:xfrm flipV="1">
+              <a:off x="2583578" y="2231472"/>
+              <a:ext cx="511145" cy="640080"/>
+            </a:xfrm>
+            <a:prstGeom prst="bentConnector3">
+              <a:avLst>
+                <a:gd name="adj1" fmla="val 50000"/>
+              </a:avLst>
+            </a:prstGeom>
+            <a:ln>
+              <a:solidFill>
+                <a:schemeClr val="accent1"/>
+              </a:solidFill>
+            </a:ln>
+          </p:spPr>
+          <p:style>
+            <a:lnRef idx="1">
+              <a:schemeClr val="accent1"/>
+            </a:lnRef>
+            <a:fillRef idx="0">
+              <a:schemeClr val="accent1"/>
+            </a:fillRef>
+            <a:effectRef idx="0">
+              <a:schemeClr val="accent1"/>
+            </a:effectRef>
+            <a:fontRef idx="minor">
+              <a:schemeClr val="tx1"/>
+            </a:fontRef>
+          </p:style>
+        </p:cxnSp>
+        <p:cxnSp>
+          <p:nvCxnSpPr>
+            <p:cNvPr id="9" name="Connector: Elbow 8">
+              <a:extLst>
+                <a:ext uri="{FF2B5EF4-FFF2-40B4-BE49-F238E27FC236}">
+                  <a16:creationId xmlns:a16="http://schemas.microsoft.com/office/drawing/2014/main" id="{6A7850A7-908D-4B3A-9B2E-934809FF730C}"/>
+                </a:ext>
+              </a:extLst>
+            </p:cNvPr>
+            <p:cNvCxnSpPr>
+              <a:cxnSpLocks/>
+            </p:cNvCxnSpPr>
+            <p:nvPr/>
+          </p:nvCxnSpPr>
+          <p:spPr>
+            <a:xfrm rot="10800000">
+              <a:off x="2567497" y="2872187"/>
+              <a:ext cx="552275" cy="548640"/>
+            </a:xfrm>
+            <a:prstGeom prst="bentConnector3">
+              <a:avLst>
+                <a:gd name="adj1" fmla="val 51519"/>
+              </a:avLst>
+            </a:prstGeom>
+            <a:ln>
+              <a:solidFill>
+                <a:schemeClr val="accent1"/>
+              </a:solidFill>
+            </a:ln>
+          </p:spPr>
+          <p:style>
+            <a:lnRef idx="1">
+              <a:schemeClr val="accent1"/>
+            </a:lnRef>
+            <a:fillRef idx="0">
+              <a:schemeClr val="accent1"/>
+            </a:fillRef>
+            <a:effectRef idx="0">
+              <a:schemeClr val="accent1"/>
+            </a:effectRef>
+            <a:fontRef idx="minor">
+              <a:schemeClr val="tx1"/>
+            </a:fontRef>
+          </p:style>
+        </p:cxnSp>
+        <p:sp>
+          <p:nvSpPr>
+            <p:cNvPr id="13" name="TextBox 12">
+              <a:extLst>
+                <a:ext uri="{FF2B5EF4-FFF2-40B4-BE49-F238E27FC236}">
+                  <a16:creationId xmlns:a16="http://schemas.microsoft.com/office/drawing/2014/main" id="{F255F513-3DE8-4559-AE80-AF2A5F0EBC32}"/>
+                </a:ext>
+              </a:extLst>
+            </p:cNvPr>
+            <p:cNvSpPr txBox="1"/>
+            <p:nvPr/>
+          </p:nvSpPr>
+          <p:spPr>
+            <a:xfrm>
+              <a:off x="3185680" y="2097083"/>
+              <a:ext cx="1178279" cy="284169"/>
+            </a:xfrm>
+            <a:prstGeom prst="rect">
+              <a:avLst/>
+            </a:prstGeom>
+            <a:noFill/>
+          </p:spPr>
+          <p:txBody>
+            <a:bodyPr wrap="none" rtlCol="0">
+              <a:spAutoFit/>
+            </a:bodyPr>
+            <a:lstStyle/>
+            <a:p>
+              <a:r>
+                <a:rPr lang="en-US" sz="2400" dirty="0"/>
+                <a:t>Quantitative</a:t>
+              </a:r>
+              <a:endParaRPr lang="LID4096" sz="2400" dirty="0"/>
+            </a:p>
+          </p:txBody>
+        </p:sp>
+        <p:sp>
+          <p:nvSpPr>
+            <p:cNvPr id="14" name="TextBox 13">
+              <a:extLst>
+                <a:ext uri="{FF2B5EF4-FFF2-40B4-BE49-F238E27FC236}">
+                  <a16:creationId xmlns:a16="http://schemas.microsoft.com/office/drawing/2014/main" id="{293AC7D7-E557-4EE8-A57A-0DF6709BADB0}"/>
+                </a:ext>
+              </a:extLst>
+            </p:cNvPr>
+            <p:cNvSpPr txBox="1"/>
+            <p:nvPr/>
+          </p:nvSpPr>
+          <p:spPr>
+            <a:xfrm>
+              <a:off x="3236554" y="3254332"/>
+              <a:ext cx="1048874" cy="284169"/>
+            </a:xfrm>
+            <a:prstGeom prst="rect">
+              <a:avLst/>
+            </a:prstGeom>
+            <a:noFill/>
+          </p:spPr>
+          <p:txBody>
+            <a:bodyPr wrap="none" rtlCol="0">
+              <a:spAutoFit/>
+            </a:bodyPr>
+            <a:lstStyle/>
+            <a:p>
+              <a:r>
+                <a:rPr lang="en-US" sz="2400" dirty="0"/>
+                <a:t>Qualitative</a:t>
+              </a:r>
+              <a:endParaRPr lang="LID4096" sz="2400" dirty="0"/>
+            </a:p>
+          </p:txBody>
+        </p:sp>
+        <p:sp>
+          <p:nvSpPr>
+            <p:cNvPr id="15" name="TextBox 14">
+              <a:extLst>
+                <a:ext uri="{FF2B5EF4-FFF2-40B4-BE49-F238E27FC236}">
+                  <a16:creationId xmlns:a16="http://schemas.microsoft.com/office/drawing/2014/main" id="{AED1B1D6-70BD-4C8F-A371-59E73A269CA1}"/>
+                </a:ext>
+              </a:extLst>
+            </p:cNvPr>
+            <p:cNvSpPr txBox="1"/>
+            <p:nvPr/>
+          </p:nvSpPr>
+          <p:spPr>
+            <a:xfrm>
+              <a:off x="4907887" y="1680307"/>
+              <a:ext cx="1065854" cy="435725"/>
+            </a:xfrm>
+            <a:prstGeom prst="rect">
+              <a:avLst/>
+            </a:prstGeom>
+            <a:noFill/>
+          </p:spPr>
+          <p:txBody>
+            <a:bodyPr wrap="none" rtlCol="0">
+              <a:spAutoFit/>
+            </a:bodyPr>
+            <a:lstStyle/>
+            <a:p>
+              <a:r>
+                <a:rPr lang="en-US" sz="2400" dirty="0"/>
+                <a:t>continuous</a:t>
+              </a:r>
+            </a:p>
+            <a:p>
+              <a:r>
+                <a:rPr lang="en-US" sz="1600" dirty="0">
+                  <a:solidFill>
+                    <a:schemeClr val="accent1">
+                      <a:lumMod val="60000"/>
+                      <a:lumOff val="40000"/>
+                    </a:schemeClr>
+                  </a:solidFill>
+                </a:rPr>
+                <a:t>1.5, 113, 6x10</a:t>
+              </a:r>
+              <a:r>
+                <a:rPr lang="en-US" sz="1600" baseline="30000" dirty="0">
+                  <a:solidFill>
+                    <a:schemeClr val="accent1">
+                      <a:lumMod val="60000"/>
+                      <a:lumOff val="40000"/>
+                    </a:schemeClr>
+                  </a:solidFill>
+                </a:rPr>
+                <a:t>-5</a:t>
+              </a:r>
+              <a:endParaRPr lang="LID4096" sz="1600" baseline="30000" dirty="0">
+                <a:solidFill>
+                  <a:schemeClr val="accent1">
+                    <a:lumMod val="60000"/>
+                    <a:lumOff val="40000"/>
+                  </a:schemeClr>
+                </a:solidFill>
+              </a:endParaRPr>
+            </a:p>
+          </p:txBody>
+        </p:sp>
+        <p:sp>
+          <p:nvSpPr>
+            <p:cNvPr id="16" name="TextBox 15">
+              <a:extLst>
+                <a:ext uri="{FF2B5EF4-FFF2-40B4-BE49-F238E27FC236}">
+                  <a16:creationId xmlns:a16="http://schemas.microsoft.com/office/drawing/2014/main" id="{E77982DE-CB65-42A0-9F8D-F29466B354E5}"/>
+                </a:ext>
+              </a:extLst>
+            </p:cNvPr>
+            <p:cNvSpPr txBox="1"/>
+            <p:nvPr/>
+          </p:nvSpPr>
+          <p:spPr>
+            <a:xfrm>
+              <a:off x="4907887" y="2294060"/>
+              <a:ext cx="881734" cy="435725"/>
+            </a:xfrm>
+            <a:prstGeom prst="rect">
+              <a:avLst/>
+            </a:prstGeom>
+            <a:noFill/>
+          </p:spPr>
+          <p:txBody>
+            <a:bodyPr wrap="none" rtlCol="0">
+              <a:spAutoFit/>
+            </a:bodyPr>
+            <a:lstStyle/>
+            <a:p>
+              <a:r>
+                <a:rPr lang="en-US" sz="2400" dirty="0"/>
+                <a:t>discreet</a:t>
+              </a:r>
+            </a:p>
+            <a:p>
+              <a:r>
+                <a:rPr lang="en-US" sz="1600" dirty="0">
+                  <a:solidFill>
+                    <a:schemeClr val="accent1">
+                      <a:lumMod val="60000"/>
+                      <a:lumOff val="40000"/>
+                    </a:schemeClr>
+                  </a:solidFill>
+                </a:rPr>
+                <a:t>1,2,3, … 1986</a:t>
+              </a:r>
+              <a:endParaRPr lang="LID4096" sz="1600" dirty="0">
+                <a:solidFill>
+                  <a:schemeClr val="accent1">
+                    <a:lumMod val="60000"/>
+                    <a:lumOff val="40000"/>
+                  </a:schemeClr>
+                </a:solidFill>
+              </a:endParaRPr>
+            </a:p>
+          </p:txBody>
+        </p:sp>
+        <p:cxnSp>
+          <p:nvCxnSpPr>
+            <p:cNvPr id="17" name="Connector: Elbow 16">
+              <a:extLst>
+                <a:ext uri="{FF2B5EF4-FFF2-40B4-BE49-F238E27FC236}">
+                  <a16:creationId xmlns:a16="http://schemas.microsoft.com/office/drawing/2014/main" id="{8E901004-0092-4FD2-B38B-1A5C5F8EF17D}"/>
+                </a:ext>
+              </a:extLst>
+            </p:cNvPr>
+            <p:cNvCxnSpPr>
+              <a:cxnSpLocks/>
+            </p:cNvCxnSpPr>
+            <p:nvPr/>
+          </p:nvCxnSpPr>
+          <p:spPr>
+            <a:xfrm flipV="1">
+              <a:off x="4395410" y="1914556"/>
+              <a:ext cx="536312" cy="321029"/>
+            </a:xfrm>
+            <a:prstGeom prst="bentConnector3">
+              <a:avLst>
+                <a:gd name="adj1" fmla="val 50000"/>
+              </a:avLst>
+            </a:prstGeom>
+            <a:ln>
+              <a:solidFill>
+                <a:schemeClr val="accent1"/>
+              </a:solidFill>
+            </a:ln>
+          </p:spPr>
+          <p:style>
+            <a:lnRef idx="1">
+              <a:schemeClr val="accent1"/>
+            </a:lnRef>
+            <a:fillRef idx="0">
+              <a:schemeClr val="accent1"/>
+            </a:fillRef>
+            <a:effectRef idx="0">
+              <a:schemeClr val="accent1"/>
+            </a:effectRef>
+            <a:fontRef idx="minor">
+              <a:schemeClr val="tx1"/>
+            </a:fontRef>
+          </p:style>
+        </p:cxnSp>
+        <p:cxnSp>
+          <p:nvCxnSpPr>
+            <p:cNvPr id="18" name="Connector: Elbow 17">
+              <a:extLst>
+                <a:ext uri="{FF2B5EF4-FFF2-40B4-BE49-F238E27FC236}">
+                  <a16:creationId xmlns:a16="http://schemas.microsoft.com/office/drawing/2014/main" id="{8E990A7F-2FF9-4EBA-ABD4-3FCD8CD1C1EC}"/>
+                </a:ext>
+              </a:extLst>
+            </p:cNvPr>
+            <p:cNvCxnSpPr>
+              <a:cxnSpLocks/>
+            </p:cNvCxnSpPr>
+            <p:nvPr/>
+          </p:nvCxnSpPr>
+          <p:spPr>
+            <a:xfrm rot="10800000">
+              <a:off x="4384022" y="2235586"/>
+              <a:ext cx="552274" cy="298106"/>
+            </a:xfrm>
+            <a:prstGeom prst="bentConnector3">
+              <a:avLst>
+                <a:gd name="adj1" fmla="val 50000"/>
+              </a:avLst>
+            </a:prstGeom>
+            <a:ln>
+              <a:solidFill>
+                <a:schemeClr val="accent1"/>
+              </a:solidFill>
+            </a:ln>
+          </p:spPr>
+          <p:style>
+            <a:lnRef idx="1">
+              <a:schemeClr val="accent1"/>
+            </a:lnRef>
+            <a:fillRef idx="0">
+              <a:schemeClr val="accent1"/>
+            </a:fillRef>
+            <a:effectRef idx="0">
+              <a:schemeClr val="accent1"/>
+            </a:effectRef>
+            <a:fontRef idx="minor">
+              <a:schemeClr val="tx1"/>
+            </a:fontRef>
+          </p:style>
+        </p:cxnSp>
+        <p:sp>
+          <p:nvSpPr>
+            <p:cNvPr id="21" name="TextBox 20">
+              <a:extLst>
+                <a:ext uri="{FF2B5EF4-FFF2-40B4-BE49-F238E27FC236}">
+                  <a16:creationId xmlns:a16="http://schemas.microsoft.com/office/drawing/2014/main" id="{41A7DCF7-24F8-499F-8AF3-C14810452A6C}"/>
+                </a:ext>
+              </a:extLst>
+            </p:cNvPr>
+            <p:cNvSpPr txBox="1"/>
+            <p:nvPr/>
+          </p:nvSpPr>
+          <p:spPr>
+            <a:xfrm>
+              <a:off x="4898862" y="2818607"/>
+              <a:ext cx="1816924" cy="435725"/>
+            </a:xfrm>
+            <a:prstGeom prst="rect">
+              <a:avLst/>
+            </a:prstGeom>
+            <a:noFill/>
+          </p:spPr>
+          <p:txBody>
+            <a:bodyPr wrap="none" rtlCol="0">
+              <a:spAutoFit/>
+            </a:bodyPr>
+            <a:lstStyle/>
+            <a:p>
+              <a:r>
+                <a:rPr lang="en-US" sz="2400" dirty="0"/>
+                <a:t>categorical, ordered</a:t>
+              </a:r>
+            </a:p>
+            <a:p>
+              <a:r>
+                <a:rPr lang="en-US" sz="1600" dirty="0">
+                  <a:solidFill>
+                    <a:schemeClr val="accent1">
+                      <a:lumMod val="60000"/>
+                      <a:lumOff val="40000"/>
+                    </a:schemeClr>
+                  </a:solidFill>
+                </a:rPr>
+                <a:t>poor, fair, good</a:t>
+              </a:r>
+              <a:endParaRPr lang="LID4096" sz="1600" baseline="30000" dirty="0">
+                <a:solidFill>
+                  <a:schemeClr val="accent1">
+                    <a:lumMod val="60000"/>
+                    <a:lumOff val="40000"/>
+                  </a:schemeClr>
+                </a:solidFill>
+              </a:endParaRPr>
+            </a:p>
+          </p:txBody>
+        </p:sp>
+        <p:sp>
+          <p:nvSpPr>
+            <p:cNvPr id="22" name="TextBox 21">
+              <a:extLst>
+                <a:ext uri="{FF2B5EF4-FFF2-40B4-BE49-F238E27FC236}">
+                  <a16:creationId xmlns:a16="http://schemas.microsoft.com/office/drawing/2014/main" id="{85B7EF35-E8EE-40E4-8AB3-A5DEE971F3B2}"/>
+                </a:ext>
+              </a:extLst>
+            </p:cNvPr>
+            <p:cNvSpPr txBox="1"/>
+            <p:nvPr/>
+          </p:nvSpPr>
+          <p:spPr>
+            <a:xfrm>
+              <a:off x="4910227" y="3441794"/>
+              <a:ext cx="2036218" cy="435725"/>
+            </a:xfrm>
+            <a:prstGeom prst="rect">
+              <a:avLst/>
+            </a:prstGeom>
+            <a:noFill/>
+          </p:spPr>
+          <p:txBody>
+            <a:bodyPr wrap="none" rtlCol="0">
+              <a:spAutoFit/>
+            </a:bodyPr>
+            <a:lstStyle/>
+            <a:p>
+              <a:r>
+                <a:rPr lang="en-US" sz="2400" dirty="0"/>
+                <a:t>categorical, unordered</a:t>
+              </a:r>
+            </a:p>
+            <a:p>
+              <a:r>
+                <a:rPr lang="en-US" sz="1600" dirty="0">
+                  <a:solidFill>
+                    <a:schemeClr val="accent1">
+                      <a:lumMod val="60000"/>
+                      <a:lumOff val="40000"/>
+                    </a:schemeClr>
+                  </a:solidFill>
+                </a:rPr>
+                <a:t>cat, dog, rabbit</a:t>
+              </a:r>
+              <a:endParaRPr lang="LID4096" sz="1600" dirty="0">
+                <a:solidFill>
+                  <a:schemeClr val="accent1">
+                    <a:lumMod val="60000"/>
+                    <a:lumOff val="40000"/>
+                  </a:schemeClr>
+                </a:solidFill>
+              </a:endParaRPr>
+            </a:p>
+          </p:txBody>
+        </p:sp>
+        <p:cxnSp>
+          <p:nvCxnSpPr>
+            <p:cNvPr id="23" name="Connector: Elbow 22">
+              <a:extLst>
+                <a:ext uri="{FF2B5EF4-FFF2-40B4-BE49-F238E27FC236}">
+                  <a16:creationId xmlns:a16="http://schemas.microsoft.com/office/drawing/2014/main" id="{A3B26DD2-89B3-4108-80A4-E317EE449C9A}"/>
+                </a:ext>
+              </a:extLst>
+            </p:cNvPr>
+            <p:cNvCxnSpPr>
+              <a:cxnSpLocks/>
+            </p:cNvCxnSpPr>
+            <p:nvPr/>
+          </p:nvCxnSpPr>
+          <p:spPr>
+            <a:xfrm flipV="1">
+              <a:off x="4398140" y="3078617"/>
+              <a:ext cx="536312" cy="321029"/>
+            </a:xfrm>
+            <a:prstGeom prst="bentConnector3">
+              <a:avLst>
+                <a:gd name="adj1" fmla="val 50000"/>
+              </a:avLst>
+            </a:prstGeom>
+            <a:ln>
+              <a:solidFill>
+                <a:schemeClr val="accent1"/>
+              </a:solidFill>
+            </a:ln>
+          </p:spPr>
+          <p:style>
+            <a:lnRef idx="1">
+              <a:schemeClr val="accent1"/>
+            </a:lnRef>
+            <a:fillRef idx="0">
+              <a:schemeClr val="accent1"/>
+            </a:fillRef>
+            <a:effectRef idx="0">
+              <a:schemeClr val="accent1"/>
+            </a:effectRef>
+            <a:fontRef idx="minor">
+              <a:schemeClr val="tx1"/>
+            </a:fontRef>
+          </p:style>
+        </p:cxnSp>
+        <p:cxnSp>
+          <p:nvCxnSpPr>
+            <p:cNvPr id="24" name="Connector: Elbow 23">
+              <a:extLst>
+                <a:ext uri="{FF2B5EF4-FFF2-40B4-BE49-F238E27FC236}">
+                  <a16:creationId xmlns:a16="http://schemas.microsoft.com/office/drawing/2014/main" id="{35A5C616-0BC2-4065-B89B-A8958D3DAB51}"/>
+                </a:ext>
+              </a:extLst>
+            </p:cNvPr>
+            <p:cNvCxnSpPr>
+              <a:cxnSpLocks/>
+            </p:cNvCxnSpPr>
+            <p:nvPr/>
+          </p:nvCxnSpPr>
+          <p:spPr>
+            <a:xfrm rot="10800000">
+              <a:off x="4384891" y="3396417"/>
+              <a:ext cx="552274" cy="298106"/>
+            </a:xfrm>
+            <a:prstGeom prst="bentConnector3">
+              <a:avLst>
+                <a:gd name="adj1" fmla="val 50000"/>
+              </a:avLst>
+            </a:prstGeom>
+            <a:ln>
+              <a:solidFill>
+                <a:schemeClr val="accent1"/>
+              </a:solidFill>
+            </a:ln>
+          </p:spPr>
+          <p:style>
+            <a:lnRef idx="1">
+              <a:schemeClr val="accent1"/>
+            </a:lnRef>
+            <a:fillRef idx="0">
+              <a:schemeClr val="accent1"/>
+            </a:fillRef>
+            <a:effectRef idx="0">
+              <a:schemeClr val="accent1"/>
+            </a:effectRef>
+            <a:fontRef idx="minor">
+              <a:schemeClr val="tx1"/>
+            </a:fontRef>
+          </p:style>
+        </p:cxnSp>
+      </p:grpSp>
+    </p:spTree>
+    <p:extLst>
+      <p:ext uri="{BB962C8B-B14F-4D97-AF65-F5344CB8AC3E}">
+        <p14:creationId xmlns:p14="http://schemas.microsoft.com/office/powerpoint/2010/main" val="2624421383"/>
+      </p:ext>
+    </p:extLst>
+  </p:cSld>
+  <p:clrMapOvr>
+    <a:masterClrMapping/>
+  </p:clrMapOvr>
+</p:sld>
+</file>
+
+<file path=ppt/slides/slide3.xml><?xml version="1.0" encoding="utf-8"?>
+<p:sld xmlns:a="http://schemas.openxmlformats.org/drawingml/2006/main" xmlns:r="http://schemas.openxmlformats.org/officeDocument/2006/relationships" xmlns:p="http://schemas.openxmlformats.org/presentationml/2006/main">
+  <p:cSld>
+    <p:spTree>
+      <p:nvGrpSpPr>
+        <p:cNvPr id="1" name=""/>
+        <p:cNvGrpSpPr/>
+        <p:nvPr/>
+      </p:nvGrpSpPr>
+      <p:grpSpPr>
+        <a:xfrm>
+          <a:off x="0" y="0"/>
+          <a:ext cx="0" cy="0"/>
+          <a:chOff x="0" y="0"/>
+          <a:chExt cx="0" cy="0"/>
+        </a:xfrm>
+      </p:grpSpPr>
+      <p:sp>
+        <p:nvSpPr>
+          <p:cNvPr id="2" name="Title 1">
+            <a:extLst>
+              <a:ext uri="{FF2B5EF4-FFF2-40B4-BE49-F238E27FC236}">
+                <a16:creationId xmlns:a16="http://schemas.microsoft.com/office/drawing/2014/main" id="{24FC69F1-EEE4-4451-9A32-89E29CAD0F02}"/>
+              </a:ext>
+            </a:extLst>
+          </p:cNvPr>
+          <p:cNvSpPr>
+            <a:spLocks noGrp="1"/>
+          </p:cNvSpPr>
+          <p:nvPr>
+            <p:ph type="title"/>
+          </p:nvPr>
+        </p:nvSpPr>
+        <p:spPr/>
+        <p:txBody>
+          <a:bodyPr/>
+          <a:lstStyle/>
+          <a:p>
+            <a:endParaRPr lang="LID4096"/>
+          </a:p>
+        </p:txBody>
+      </p:sp>
+      <p:sp>
+        <p:nvSpPr>
+          <p:cNvPr id="4" name="TextBox 3">
+            <a:extLst>
+              <a:ext uri="{FF2B5EF4-FFF2-40B4-BE49-F238E27FC236}">
+                <a16:creationId xmlns:a16="http://schemas.microsoft.com/office/drawing/2014/main" id="{169F7990-3BA8-4147-9056-4643CD0AEE37}"/>
+              </a:ext>
+            </a:extLst>
+          </p:cNvPr>
+          <p:cNvSpPr txBox="1"/>
+          <p:nvPr/>
+        </p:nvSpPr>
+        <p:spPr>
+          <a:xfrm>
+            <a:off x="4085438" y="2072081"/>
+            <a:ext cx="3871573" cy="646331"/>
+          </a:xfrm>
+          <a:prstGeom prst="rect">
+            <a:avLst/>
+          </a:prstGeom>
+          <a:noFill/>
+        </p:spPr>
+        <p:txBody>
+          <a:bodyPr wrap="none" rtlCol="0">
+            <a:spAutoFit/>
+          </a:bodyPr>
+          <a:lstStyle/>
+          <a:p>
+            <a:pPr algn="ctr"/>
+            <a:r>
+              <a:rPr lang="en-US" dirty="0"/>
+              <a:t>Data:</a:t>
+            </a:r>
+          </a:p>
+          <a:p>
+            <a:pPr algn="ctr"/>
+            <a:r>
+              <a:rPr lang="en-US" dirty="0"/>
+              <a:t>Number of deceased in NL (1996-2021)</a:t>
+            </a:r>
+            <a:endParaRPr lang="LID4096" dirty="0"/>
+          </a:p>
+        </p:txBody>
+      </p:sp>
+      <p:cxnSp>
+        <p:nvCxnSpPr>
+          <p:cNvPr id="8" name="Straight Arrow Connector 7">
+            <a:extLst>
+              <a:ext uri="{FF2B5EF4-FFF2-40B4-BE49-F238E27FC236}">
+                <a16:creationId xmlns:a16="http://schemas.microsoft.com/office/drawing/2014/main" id="{D8B4A480-9E03-44BC-8A0E-6110557032E0}"/>
+              </a:ext>
+            </a:extLst>
+          </p:cNvPr>
+          <p:cNvCxnSpPr>
+            <a:cxnSpLocks/>
+            <a:endCxn id="9" idx="0"/>
+          </p:cNvCxnSpPr>
+          <p:nvPr/>
+        </p:nvCxnSpPr>
+        <p:spPr>
+          <a:xfrm flipH="1">
+            <a:off x="3858217" y="2718411"/>
+            <a:ext cx="990620" cy="368737"/>
+          </a:xfrm>
+          <a:prstGeom prst="straightConnector1">
+            <a:avLst/>
+          </a:prstGeom>
+          <a:ln>
+            <a:tailEnd type="triangle"/>
+          </a:ln>
+        </p:spPr>
+        <p:style>
+          <a:lnRef idx="1">
+            <a:schemeClr val="accent1"/>
+          </a:lnRef>
+          <a:fillRef idx="0">
+            <a:schemeClr val="accent1"/>
+          </a:fillRef>
+          <a:effectRef idx="0">
+            <a:schemeClr val="accent1"/>
+          </a:effectRef>
+          <a:fontRef idx="minor">
+            <a:schemeClr val="tx1"/>
+          </a:fontRef>
+        </p:style>
+      </p:cxnSp>
+      <p:sp>
+        <p:nvSpPr>
+          <p:cNvPr id="9" name="TextBox 8">
+            <a:extLst>
+              <a:ext uri="{FF2B5EF4-FFF2-40B4-BE49-F238E27FC236}">
+                <a16:creationId xmlns:a16="http://schemas.microsoft.com/office/drawing/2014/main" id="{8C8E330D-267E-45CC-9264-7E82F4646609}"/>
+              </a:ext>
+            </a:extLst>
+          </p:cNvPr>
+          <p:cNvSpPr txBox="1"/>
+          <p:nvPr/>
+        </p:nvSpPr>
+        <p:spPr>
+          <a:xfrm>
+            <a:off x="1970200" y="3087148"/>
+            <a:ext cx="3776034" cy="1138773"/>
+          </a:xfrm>
+          <a:prstGeom prst="rect">
+            <a:avLst/>
+          </a:prstGeom>
+          <a:noFill/>
+        </p:spPr>
+        <p:txBody>
+          <a:bodyPr wrap="none" rtlCol="0">
+            <a:spAutoFit/>
+          </a:bodyPr>
+          <a:lstStyle/>
+          <a:p>
+            <a:pPr algn="ctr"/>
+            <a:r>
+              <a:rPr lang="en-US" dirty="0"/>
+              <a:t>Training data </a:t>
+            </a:r>
+            <a:br>
+              <a:rPr lang="en-US" dirty="0"/>
+            </a:br>
+            <a:r>
+              <a:rPr lang="en-US" sz="1400" i="1" dirty="0"/>
+              <a:t>(used on tutorials):</a:t>
+            </a:r>
+            <a:endParaRPr lang="en-US" i="1" dirty="0"/>
+          </a:p>
+          <a:p>
+            <a:pPr algn="ctr"/>
+            <a:r>
+              <a:rPr lang="en-US" dirty="0"/>
+              <a:t>General categories for causes of death</a:t>
+            </a:r>
+          </a:p>
+          <a:p>
+            <a:pPr algn="ctr"/>
+            <a:endParaRPr lang="LID4096" dirty="0"/>
+          </a:p>
+        </p:txBody>
+      </p:sp>
+      <p:cxnSp>
+        <p:nvCxnSpPr>
+          <p:cNvPr id="11" name="Straight Arrow Connector 10">
+            <a:extLst>
+              <a:ext uri="{FF2B5EF4-FFF2-40B4-BE49-F238E27FC236}">
+                <a16:creationId xmlns:a16="http://schemas.microsoft.com/office/drawing/2014/main" id="{DEA76E64-3A16-4A01-9E7F-BA8A485CE4CB}"/>
+              </a:ext>
+            </a:extLst>
+          </p:cNvPr>
+          <p:cNvCxnSpPr>
+            <a:cxnSpLocks/>
+            <a:endCxn id="13" idx="0"/>
+          </p:cNvCxnSpPr>
+          <p:nvPr/>
+        </p:nvCxnSpPr>
+        <p:spPr>
+          <a:xfrm>
+            <a:off x="6671731" y="2718411"/>
+            <a:ext cx="1162024" cy="301121"/>
+          </a:xfrm>
+          <a:prstGeom prst="straightConnector1">
+            <a:avLst/>
+          </a:prstGeom>
+          <a:ln>
+            <a:tailEnd type="triangle"/>
+          </a:ln>
+        </p:spPr>
+        <p:style>
+          <a:lnRef idx="1">
+            <a:schemeClr val="accent1"/>
+          </a:lnRef>
+          <a:fillRef idx="0">
+            <a:schemeClr val="accent1"/>
+          </a:fillRef>
+          <a:effectRef idx="0">
+            <a:schemeClr val="accent1"/>
+          </a:effectRef>
+          <a:fontRef idx="minor">
+            <a:schemeClr val="tx1"/>
+          </a:fontRef>
+        </p:style>
+      </p:cxnSp>
+      <p:sp>
+        <p:nvSpPr>
+          <p:cNvPr id="13" name="TextBox 12">
+            <a:extLst>
+              <a:ext uri="{FF2B5EF4-FFF2-40B4-BE49-F238E27FC236}">
+                <a16:creationId xmlns:a16="http://schemas.microsoft.com/office/drawing/2014/main" id="{635E510A-CD04-41A6-A793-31279EEA4D04}"/>
+              </a:ext>
+            </a:extLst>
+          </p:cNvPr>
+          <p:cNvSpPr txBox="1"/>
+          <p:nvPr/>
+        </p:nvSpPr>
+        <p:spPr>
+          <a:xfrm>
+            <a:off x="5800794" y="3019532"/>
+            <a:ext cx="4065921" cy="1754326"/>
+          </a:xfrm>
+          <a:prstGeom prst="rect">
+            <a:avLst/>
+          </a:prstGeom>
+          <a:noFill/>
+        </p:spPr>
+        <p:txBody>
+          <a:bodyPr wrap="none" rtlCol="0">
+            <a:spAutoFit/>
+          </a:bodyPr>
+          <a:lstStyle/>
+          <a:p>
+            <a:pPr algn="ctr"/>
+            <a:r>
+              <a:rPr lang="en-US" dirty="0"/>
+              <a:t>Testing data </a:t>
+            </a:r>
+            <a:br>
+              <a:rPr lang="en-US" dirty="0"/>
+            </a:br>
+            <a:r>
+              <a:rPr lang="en-US" sz="1400" i="1" dirty="0"/>
+              <a:t>(used for the Project)</a:t>
+            </a:r>
+            <a:r>
+              <a:rPr lang="en-US" dirty="0"/>
+              <a:t>:</a:t>
+            </a:r>
+          </a:p>
+          <a:p>
+            <a:pPr algn="ctr"/>
+            <a:r>
+              <a:rPr lang="en-US" dirty="0"/>
+              <a:t>Pick up one general category</a:t>
+            </a:r>
+          </a:p>
+          <a:p>
+            <a:pPr algn="ctr"/>
+            <a:r>
+              <a:rPr lang="en-US" dirty="0"/>
+              <a:t>Download the data for the subcategories </a:t>
+            </a:r>
+            <a:br>
+              <a:rPr lang="en-US" dirty="0"/>
+            </a:br>
+            <a:r>
+              <a:rPr lang="en-US" dirty="0"/>
+              <a:t>(e.g. different types of cancer)</a:t>
+            </a:r>
+          </a:p>
+          <a:p>
+            <a:pPr algn="ctr"/>
+            <a:r>
+              <a:rPr lang="en-US" dirty="0"/>
+              <a:t>Process the data</a:t>
+            </a:r>
+            <a:endParaRPr lang="LID4096" dirty="0"/>
+          </a:p>
+        </p:txBody>
+      </p:sp>
+    </p:spTree>
+    <p:extLst>
+      <p:ext uri="{BB962C8B-B14F-4D97-AF65-F5344CB8AC3E}">
+        <p14:creationId xmlns:p14="http://schemas.microsoft.com/office/powerpoint/2010/main" val="2138726850"/>
       </p:ext>
     </p:extLst>
   </p:cSld>
